--- a/Documentation/Workflow Outline.pptx
+++ b/Documentation/Workflow Outline.pptx
@@ -200,7 +200,7 @@
           <a:p>
             <a:fld id="{7C55CD88-1FAC-E44F-A37C-1BC7D5F701A6}" type="datetimeFigureOut">
               <a:rPr lang="en-US" smtClean="0"/>
-              <a:t>10/6/19</a:t>
+              <a:t>10/13/19</a:t>
             </a:fld>
             <a:endParaRPr lang="en-US"/>
           </a:p>
@@ -810,7 +810,7 @@
           <a:p>
             <a:fld id="{B8110649-7A7F-BA4F-B7FD-DA45AA9D65AD}" type="datetimeFigureOut">
               <a:rPr lang="en-US" smtClean="0"/>
-              <a:t>10/6/19</a:t>
+              <a:t>10/13/19</a:t>
             </a:fld>
             <a:endParaRPr lang="en-US"/>
           </a:p>
@@ -1008,7 +1008,7 @@
           <a:p>
             <a:fld id="{B8110649-7A7F-BA4F-B7FD-DA45AA9D65AD}" type="datetimeFigureOut">
               <a:rPr lang="en-US" smtClean="0"/>
-              <a:t>10/6/19</a:t>
+              <a:t>10/13/19</a:t>
             </a:fld>
             <a:endParaRPr lang="en-US"/>
           </a:p>
@@ -1216,7 +1216,7 @@
           <a:p>
             <a:fld id="{B8110649-7A7F-BA4F-B7FD-DA45AA9D65AD}" type="datetimeFigureOut">
               <a:rPr lang="en-US" smtClean="0"/>
-              <a:t>10/6/19</a:t>
+              <a:t>10/13/19</a:t>
             </a:fld>
             <a:endParaRPr lang="en-US"/>
           </a:p>
@@ -1414,7 +1414,7 @@
           <a:p>
             <a:fld id="{B8110649-7A7F-BA4F-B7FD-DA45AA9D65AD}" type="datetimeFigureOut">
               <a:rPr lang="en-US" smtClean="0"/>
-              <a:t>10/6/19</a:t>
+              <a:t>10/13/19</a:t>
             </a:fld>
             <a:endParaRPr lang="en-US"/>
           </a:p>
@@ -1689,7 +1689,7 @@
           <a:p>
             <a:fld id="{B8110649-7A7F-BA4F-B7FD-DA45AA9D65AD}" type="datetimeFigureOut">
               <a:rPr lang="en-US" smtClean="0"/>
-              <a:t>10/6/19</a:t>
+              <a:t>10/13/19</a:t>
             </a:fld>
             <a:endParaRPr lang="en-US"/>
           </a:p>
@@ -1954,7 +1954,7 @@
           <a:p>
             <a:fld id="{B8110649-7A7F-BA4F-B7FD-DA45AA9D65AD}" type="datetimeFigureOut">
               <a:rPr lang="en-US" smtClean="0"/>
-              <a:t>10/6/19</a:t>
+              <a:t>10/13/19</a:t>
             </a:fld>
             <a:endParaRPr lang="en-US"/>
           </a:p>
@@ -2366,7 +2366,7 @@
           <a:p>
             <a:fld id="{B8110649-7A7F-BA4F-B7FD-DA45AA9D65AD}" type="datetimeFigureOut">
               <a:rPr lang="en-US" smtClean="0"/>
-              <a:t>10/6/19</a:t>
+              <a:t>10/13/19</a:t>
             </a:fld>
             <a:endParaRPr lang="en-US"/>
           </a:p>
@@ -2507,7 +2507,7 @@
           <a:p>
             <a:fld id="{B8110649-7A7F-BA4F-B7FD-DA45AA9D65AD}" type="datetimeFigureOut">
               <a:rPr lang="en-US" smtClean="0"/>
-              <a:t>10/6/19</a:t>
+              <a:t>10/13/19</a:t>
             </a:fld>
             <a:endParaRPr lang="en-US"/>
           </a:p>
@@ -2620,7 +2620,7 @@
           <a:p>
             <a:fld id="{B8110649-7A7F-BA4F-B7FD-DA45AA9D65AD}" type="datetimeFigureOut">
               <a:rPr lang="en-US" smtClean="0"/>
-              <a:t>10/6/19</a:t>
+              <a:t>10/13/19</a:t>
             </a:fld>
             <a:endParaRPr lang="en-US"/>
           </a:p>
@@ -2931,7 +2931,7 @@
           <a:p>
             <a:fld id="{B8110649-7A7F-BA4F-B7FD-DA45AA9D65AD}" type="datetimeFigureOut">
               <a:rPr lang="en-US" smtClean="0"/>
-              <a:t>10/6/19</a:t>
+              <a:t>10/13/19</a:t>
             </a:fld>
             <a:endParaRPr lang="en-US"/>
           </a:p>
@@ -3219,7 +3219,7 @@
           <a:p>
             <a:fld id="{B8110649-7A7F-BA4F-B7FD-DA45AA9D65AD}" type="datetimeFigureOut">
               <a:rPr lang="en-US" smtClean="0"/>
-              <a:t>10/6/19</a:t>
+              <a:t>10/13/19</a:t>
             </a:fld>
             <a:endParaRPr lang="en-US"/>
           </a:p>
@@ -3460,7 +3460,7 @@
           <a:p>
             <a:fld id="{B8110649-7A7F-BA4F-B7FD-DA45AA9D65AD}" type="datetimeFigureOut">
               <a:rPr lang="en-US" smtClean="0"/>
-              <a:t>10/6/19</a:t>
+              <a:t>10/13/19</a:t>
             </a:fld>
             <a:endParaRPr lang="en-US"/>
           </a:p>
@@ -6224,7 +6224,7 @@
             <a:pPr lvl="1"/>
             <a:r>
               <a:rPr lang="en-US" dirty="0"/>
-              <a:t>Establish Secret Key - Chris</a:t>
+              <a:t>Establish Secret Key – All</a:t>
             </a:r>
           </a:p>
           <a:p>
@@ -6322,8 +6322,13 @@
             <a:pPr lvl="1"/>
             <a:r>
               <a:rPr lang="en-US" dirty="0"/>
-              <a:t>ECS \ ECR  - Who ever has time</a:t>
-            </a:r>
+              <a:t>ECS \ ECR  </a:t>
+            </a:r>
+            <a:r>
+              <a:rPr lang="en-US"/>
+              <a:t>- Chris</a:t>
+            </a:r>
+            <a:endParaRPr lang="en-US" dirty="0"/>
           </a:p>
           <a:p>
             <a:r>
